--- a/ppt/2.2选择判断 .pptx
+++ b/ppt/2.2选择判断 .pptx
@@ -5,7 +5,7 @@
     <p:sldMasterId id="2147483648" r:id="rId1"/>
   </p:sldMasterIdLst>
   <p:notesMasterIdLst>
-    <p:notesMasterId r:id="rId23"/>
+    <p:notesMasterId r:id="rId24"/>
   </p:notesMasterIdLst>
   <p:sldIdLst>
     <p:sldId id="258" r:id="rId2"/>
@@ -24,11 +24,12 @@
     <p:sldId id="306" r:id="rId15"/>
     <p:sldId id="307" r:id="rId16"/>
     <p:sldId id="308" r:id="rId17"/>
-    <p:sldId id="297" r:id="rId18"/>
-    <p:sldId id="298" r:id="rId19"/>
-    <p:sldId id="309" r:id="rId20"/>
-    <p:sldId id="279" r:id="rId21"/>
-    <p:sldId id="310" r:id="rId22"/>
+    <p:sldId id="311" r:id="rId18"/>
+    <p:sldId id="297" r:id="rId19"/>
+    <p:sldId id="298" r:id="rId20"/>
+    <p:sldId id="309" r:id="rId21"/>
+    <p:sldId id="279" r:id="rId22"/>
+    <p:sldId id="310" r:id="rId23"/>
   </p:sldIdLst>
   <p:sldSz cx="12192000" cy="6858000"/>
   <p:notesSz cx="6858000" cy="9144000"/>
@@ -152,6 +153,7 @@
             <p14:sldId id="306"/>
             <p14:sldId id="307"/>
             <p14:sldId id="308"/>
+            <p14:sldId id="311"/>
             <p14:sldId id="297"/>
             <p14:sldId id="298"/>
             <p14:sldId id="309"/>
@@ -1179,7 +1181,7 @@
     </p:spTree>
     <p:extLst>
       <p:ext uri="{BB962C8B-B14F-4D97-AF65-F5344CB8AC3E}">
-        <p14:creationId xmlns:p14="http://schemas.microsoft.com/office/powerpoint/2010/main" val="2195594653"/>
+        <p14:creationId xmlns:p14="http://schemas.microsoft.com/office/powerpoint/2010/main" val="1419395075"/>
       </p:ext>
     </p:extLst>
   </p:cSld>
@@ -1263,7 +1265,7 @@
     </p:spTree>
     <p:extLst>
       <p:ext uri="{BB962C8B-B14F-4D97-AF65-F5344CB8AC3E}">
-        <p14:creationId xmlns:p14="http://schemas.microsoft.com/office/powerpoint/2010/main" val="1043150857"/>
+        <p14:creationId xmlns:p14="http://schemas.microsoft.com/office/powerpoint/2010/main" val="2195594653"/>
       </p:ext>
     </p:extLst>
   </p:cSld>
@@ -1317,14 +1319,6 @@
           <a:bodyPr/>
           <a:lstStyle/>
           <a:p>
-            <a:r>
-              <a:rPr kumimoji="1" lang="zh-CN" altLang="en-US" dirty="0"/>
-              <a:t>方法是 加括号 </a:t>
-            </a:r>
-            <a:r>
-              <a:rPr kumimoji="1" lang="en-US" altLang="zh-CN" dirty="0"/>
-              <a:t>()</a:t>
-            </a:r>
             <a:endParaRPr kumimoji="1" lang="zh-CN" altLang="en-US" dirty="0"/>
           </a:p>
         </p:txBody>
@@ -1355,7 +1349,7 @@
     </p:spTree>
     <p:extLst>
       <p:ext uri="{BB962C8B-B14F-4D97-AF65-F5344CB8AC3E}">
-        <p14:creationId xmlns:p14="http://schemas.microsoft.com/office/powerpoint/2010/main" val="3374818638"/>
+        <p14:creationId xmlns:p14="http://schemas.microsoft.com/office/powerpoint/2010/main" val="1043150857"/>
       </p:ext>
     </p:extLst>
   </p:cSld>
@@ -1409,30 +1403,14 @@
           <a:bodyPr/>
           <a:lstStyle/>
           <a:p>
-            <a:pPr marL="0" marR="0" lvl="0" indent="0" algn="l" defTabSz="914400" rtl="0" eaLnBrk="1" fontAlgn="auto" latinLnBrk="0" hangingPunct="1">
-              <a:lnSpc>
-                <a:spcPct val="100000"/>
-              </a:lnSpc>
-              <a:spcBef>
-                <a:spcPts val="0"/>
-              </a:spcBef>
-              <a:spcAft>
-                <a:spcPts val="0"/>
-              </a:spcAft>
-              <a:buClrTx/>
-              <a:buSzTx/>
-              <a:buFontTx/>
-              <a:buNone/>
-              <a:tabLst/>
-              <a:defRPr/>
-            </a:pPr>
             <a:r>
               <a:rPr kumimoji="1" lang="zh-CN" altLang="en-US" dirty="0"/>
-              <a:t>另一个例子：狗会叫，猫会叫，鸭子也会叫，那他们可以抽象成 一个动物对象，这个动物对象有叫这个动作，但至于具体如何叫，就不是抽象数据模型的职责了，而是具体数据类型的职责</a:t>
-            </a:r>
-            <a:endParaRPr kumimoji="1" lang="en-US" altLang="zh-CN" dirty="0"/>
-          </a:p>
-          <a:p>
+              <a:t>方法是 加括号 </a:t>
+            </a:r>
+            <a:r>
+              <a:rPr kumimoji="1" lang="en-US" altLang="zh-CN" dirty="0"/>
+              <a:t>()</a:t>
+            </a:r>
             <a:endParaRPr kumimoji="1" lang="zh-CN" altLang="en-US" dirty="0"/>
           </a:p>
         </p:txBody>
@@ -1463,7 +1441,7 @@
     </p:spTree>
     <p:extLst>
       <p:ext uri="{BB962C8B-B14F-4D97-AF65-F5344CB8AC3E}">
-        <p14:creationId xmlns:p14="http://schemas.microsoft.com/office/powerpoint/2010/main" val="4167110842"/>
+        <p14:creationId xmlns:p14="http://schemas.microsoft.com/office/powerpoint/2010/main" val="3374818638"/>
       </p:ext>
     </p:extLst>
   </p:cSld>
@@ -1650,6 +1628,114 @@
             <a:fld id="{0F8E57A1-C481-6944-857F-EAC8E932B5ED}" type="slidenum">
               <a:rPr kumimoji="1" lang="zh-CN" altLang="en-US" smtClean="0"/>
               <a:t>21</a:t>
+            </a:fld>
+            <a:endParaRPr kumimoji="1" lang="zh-CN" altLang="en-US"/>
+          </a:p>
+        </p:txBody>
+      </p:sp>
+    </p:spTree>
+    <p:extLst>
+      <p:ext uri="{BB962C8B-B14F-4D97-AF65-F5344CB8AC3E}">
+        <p14:creationId xmlns:p14="http://schemas.microsoft.com/office/powerpoint/2010/main" val="4167110842"/>
+      </p:ext>
+    </p:extLst>
+  </p:cSld>
+  <p:clrMapOvr>
+    <a:masterClrMapping/>
+  </p:clrMapOvr>
+</p:notes>
+</file>
+
+<file path=ppt/notesSlides/notesSlide21.xml><?xml version="1.0" encoding="utf-8"?>
+<p:notes xmlns:a="http://schemas.openxmlformats.org/drawingml/2006/main" xmlns:r="http://schemas.openxmlformats.org/officeDocument/2006/relationships" xmlns:p="http://schemas.openxmlformats.org/presentationml/2006/main">
+  <p:cSld>
+    <p:spTree>
+      <p:nvGrpSpPr>
+        <p:cNvPr id="1" name=""/>
+        <p:cNvGrpSpPr/>
+        <p:nvPr/>
+      </p:nvGrpSpPr>
+      <p:grpSpPr>
+        <a:xfrm>
+          <a:off x="0" y="0"/>
+          <a:ext cx="0" cy="0"/>
+          <a:chOff x="0" y="0"/>
+          <a:chExt cx="0" cy="0"/>
+        </a:xfrm>
+      </p:grpSpPr>
+      <p:sp>
+        <p:nvSpPr>
+          <p:cNvPr id="2" name="幻灯片图像占位符 1"/>
+          <p:cNvSpPr>
+            <a:spLocks noGrp="1" noRot="1" noChangeAspect="1"/>
+          </p:cNvSpPr>
+          <p:nvPr>
+            <p:ph type="sldImg"/>
+          </p:nvPr>
+        </p:nvSpPr>
+        <p:spPr/>
+      </p:sp>
+      <p:sp>
+        <p:nvSpPr>
+          <p:cNvPr id="3" name="备注占位符 2"/>
+          <p:cNvSpPr>
+            <a:spLocks noGrp="1"/>
+          </p:cNvSpPr>
+          <p:nvPr>
+            <p:ph type="body" idx="1"/>
+          </p:nvPr>
+        </p:nvSpPr>
+        <p:spPr/>
+        <p:txBody>
+          <a:bodyPr/>
+          <a:lstStyle/>
+          <a:p>
+            <a:pPr marL="0" marR="0" lvl="0" indent="0" algn="l" defTabSz="914400" rtl="0" eaLnBrk="1" fontAlgn="auto" latinLnBrk="0" hangingPunct="1">
+              <a:lnSpc>
+                <a:spcPct val="100000"/>
+              </a:lnSpc>
+              <a:spcBef>
+                <a:spcPts val="0"/>
+              </a:spcBef>
+              <a:spcAft>
+                <a:spcPts val="0"/>
+              </a:spcAft>
+              <a:buClrTx/>
+              <a:buSzTx/>
+              <a:buFontTx/>
+              <a:buNone/>
+              <a:tabLst/>
+              <a:defRPr/>
+            </a:pPr>
+            <a:r>
+              <a:rPr kumimoji="1" lang="zh-CN" altLang="en-US" dirty="0"/>
+              <a:t>另一个例子：狗会叫，猫会叫，鸭子也会叫，那他们可以抽象成 一个动物对象，这个动物对象有叫这个动作，但至于具体如何叫，就不是抽象数据模型的职责了，而是具体数据类型的职责</a:t>
+            </a:r>
+            <a:endParaRPr kumimoji="1" lang="en-US" altLang="zh-CN" dirty="0"/>
+          </a:p>
+          <a:p>
+            <a:endParaRPr kumimoji="1" lang="zh-CN" altLang="en-US" dirty="0"/>
+          </a:p>
+        </p:txBody>
+      </p:sp>
+      <p:sp>
+        <p:nvSpPr>
+          <p:cNvPr id="4" name="灯片编号占位符 3"/>
+          <p:cNvSpPr>
+            <a:spLocks noGrp="1"/>
+          </p:cNvSpPr>
+          <p:nvPr>
+            <p:ph type="sldNum" sz="quarter" idx="5"/>
+          </p:nvPr>
+        </p:nvSpPr>
+        <p:spPr/>
+        <p:txBody>
+          <a:bodyPr/>
+          <a:lstStyle/>
+          <a:p>
+            <a:fld id="{0F8E57A1-C481-6944-857F-EAC8E932B5ED}" type="slidenum">
+              <a:rPr kumimoji="1" lang="zh-CN" altLang="en-US" smtClean="0"/>
+              <a:t>22</a:t>
             </a:fld>
             <a:endParaRPr kumimoji="1" lang="zh-CN" altLang="en-US"/>
           </a:p>
@@ -8062,28 +8148,13 @@
                 <a:latin typeface="Microsoft YaHei" panose="020B0503020204020204" pitchFamily="34" charset="-122"/>
                 <a:ea typeface="Microsoft YaHei" panose="020B0503020204020204" pitchFamily="34" charset="-122"/>
               </a:rPr>
-              <a:t>4.</a:t>
+              <a:t>3.</a:t>
             </a:r>
             <a:r>
               <a:rPr kumimoji="1" lang="zh-CN" altLang="en-US" sz="4800" dirty="0">
-                <a:latin typeface="Microsoft YaHei" panose="020B0503020204020204" pitchFamily="34" charset="-122"/>
-                <a:ea typeface="Microsoft YaHei" panose="020B0503020204020204" pitchFamily="34" charset="-122"/>
-              </a:rPr>
-              <a:t> </a:t>
-            </a:r>
-            <a:r>
-              <a:rPr kumimoji="1" lang="en-US" altLang="zh-CN" sz="4800" dirty="0">
-                <a:latin typeface="Microsoft YaHei" panose="020B0503020204020204" pitchFamily="34" charset="-122"/>
-                <a:ea typeface="Microsoft YaHei" panose="020B0503020204020204" pitchFamily="34" charset="-122"/>
-              </a:rPr>
-              <a:t>Switch</a:t>
-            </a:r>
-            <a:r>
-              <a:rPr kumimoji="1" lang="zh-CN" altLang="en-US" sz="4800" dirty="0">
-                <a:latin typeface="Microsoft YaHei" panose="020B0503020204020204" pitchFamily="34" charset="-122"/>
-                <a:ea typeface="Microsoft YaHei" panose="020B0503020204020204" pitchFamily="34" charset="-122"/>
-              </a:rPr>
-              <a:t>语句</a:t>
+                <a:ea typeface="Microsoft YaHei" panose="020B0503020204020204" pitchFamily="34" charset="-122"/>
+              </a:rPr>
+              <a:t>逻辑操作符例子</a:t>
             </a:r>
             <a:endParaRPr kumimoji="1" lang="en-US" altLang="zh-CN" sz="4800" dirty="0">
               <a:ea typeface="Microsoft YaHei" panose="020B0503020204020204" pitchFamily="34" charset="-122"/>
@@ -8096,7 +8167,7 @@
           <p:cNvPr id="3" name="文本框 2">
             <a:extLst>
               <a:ext uri="{FF2B5EF4-FFF2-40B4-BE49-F238E27FC236}">
-                <a16:creationId xmlns:a16="http://schemas.microsoft.com/office/drawing/2014/main" id="{C0CFBE9F-84F2-FE48-AC8E-D41196C42DBA}"/>
+                <a16:creationId xmlns:a16="http://schemas.microsoft.com/office/drawing/2014/main" id="{96212B80-C0E6-4D49-9C75-03A2FF3C3E1F}"/>
               </a:ext>
             </a:extLst>
           </p:cNvPr>
@@ -8105,8 +8176,8 @@
         </p:nvSpPr>
         <p:spPr>
           <a:xfrm>
-            <a:off x="1570143" y="2766511"/>
-            <a:ext cx="10460182" cy="662489"/>
+            <a:off x="2234234" y="2169042"/>
+            <a:ext cx="6399403" cy="523220"/>
           </a:xfrm>
           <a:prstGeom prst="rect">
             <a:avLst/>
@@ -8119,17 +8190,13 @@
           </a:bodyPr>
           <a:lstStyle/>
           <a:p>
-            <a:pPr>
-              <a:lnSpc>
-                <a:spcPct val="150000"/>
-              </a:lnSpc>
-            </a:pPr>
-            <a:r>
-              <a:rPr kumimoji="1" lang="zh-CN" altLang="en-US" sz="2800" dirty="0">
-                <a:latin typeface="Microsoft YaHei" panose="020B0503020204020204" pitchFamily="34" charset="-122"/>
-                <a:ea typeface="Microsoft YaHei" panose="020B0503020204020204" pitchFamily="34" charset="-122"/>
-              </a:rPr>
-              <a:t>上代码！！！</a:t>
+            <a:r>
+              <a:rPr kumimoji="1" lang="zh-CN" altLang="en-US" sz="2800"/>
+              <a:t>上代码， </a:t>
+            </a:r>
+            <a:r>
+              <a:rPr kumimoji="1" lang="zh-CN" altLang="en-US" sz="2800" dirty="0"/>
+              <a:t>闰年的例子</a:t>
             </a:r>
           </a:p>
         </p:txBody>
@@ -8137,7 +8204,7 @@
     </p:spTree>
     <p:extLst>
       <p:ext uri="{BB962C8B-B14F-4D97-AF65-F5344CB8AC3E}">
-        <p14:creationId xmlns:p14="http://schemas.microsoft.com/office/powerpoint/2010/main" val="2124268371"/>
+        <p14:creationId xmlns:p14="http://schemas.microsoft.com/office/powerpoint/2010/main" val="1555236643"/>
       </p:ext>
     </p:extLst>
   </p:cSld>
@@ -8207,13 +8274,28 @@
                 <a:latin typeface="Microsoft YaHei" panose="020B0503020204020204" pitchFamily="34" charset="-122"/>
                 <a:ea typeface="Microsoft YaHei" panose="020B0503020204020204" pitchFamily="34" charset="-122"/>
               </a:rPr>
-              <a:t>5.</a:t>
+              <a:t>4.</a:t>
             </a:r>
             <a:r>
               <a:rPr kumimoji="1" lang="zh-CN" altLang="en-US" sz="4800" dirty="0">
-                <a:ea typeface="Microsoft YaHei" panose="020B0503020204020204" pitchFamily="34" charset="-122"/>
-              </a:rPr>
-              <a:t>条件表达式</a:t>
+                <a:latin typeface="Microsoft YaHei" panose="020B0503020204020204" pitchFamily="34" charset="-122"/>
+                <a:ea typeface="Microsoft YaHei" panose="020B0503020204020204" pitchFamily="34" charset="-122"/>
+              </a:rPr>
+              <a:t> </a:t>
+            </a:r>
+            <a:r>
+              <a:rPr kumimoji="1" lang="en-US" altLang="zh-CN" sz="4800" dirty="0">
+                <a:latin typeface="Microsoft YaHei" panose="020B0503020204020204" pitchFamily="34" charset="-122"/>
+                <a:ea typeface="Microsoft YaHei" panose="020B0503020204020204" pitchFamily="34" charset="-122"/>
+              </a:rPr>
+              <a:t>Switch</a:t>
+            </a:r>
+            <a:r>
+              <a:rPr kumimoji="1" lang="zh-CN" altLang="en-US" sz="4800" dirty="0">
+                <a:latin typeface="Microsoft YaHei" panose="020B0503020204020204" pitchFamily="34" charset="-122"/>
+                <a:ea typeface="Microsoft YaHei" panose="020B0503020204020204" pitchFamily="34" charset="-122"/>
+              </a:rPr>
+              <a:t>语句</a:t>
             </a:r>
             <a:endParaRPr kumimoji="1" lang="en-US" altLang="zh-CN" sz="4800" dirty="0">
               <a:ea typeface="Microsoft YaHei" panose="020B0503020204020204" pitchFamily="34" charset="-122"/>
@@ -8235,8 +8317,8 @@
         </p:nvSpPr>
         <p:spPr>
           <a:xfrm>
-            <a:off x="404037" y="2569043"/>
-            <a:ext cx="11787963" cy="1569660"/>
+            <a:off x="1570143" y="2766511"/>
+            <a:ext cx="10460182" cy="662489"/>
           </a:xfrm>
           <a:prstGeom prst="rect">
             <a:avLst/>
@@ -8249,92 +8331,17 @@
           </a:bodyPr>
           <a:lstStyle/>
           <a:p>
-            <a:r>
-              <a:rPr lang="en-US" altLang="zh-CN" sz="2400" dirty="0" err="1">
+            <a:pPr>
+              <a:lnSpc>
+                <a:spcPct val="150000"/>
+              </a:lnSpc>
+            </a:pPr>
+            <a:r>
+              <a:rPr kumimoji="1" lang="zh-CN" altLang="en-US" sz="2800" dirty="0">
                 <a:latin typeface="Microsoft YaHei" panose="020B0503020204020204" pitchFamily="34" charset="-122"/>
                 <a:ea typeface="Microsoft YaHei" panose="020B0503020204020204" pitchFamily="34" charset="-122"/>
               </a:rPr>
-              <a:t>boolean</a:t>
-            </a:r>
-            <a:r>
-              <a:rPr lang="en-US" altLang="zh-CN" sz="2400" dirty="0">
-                <a:latin typeface="Microsoft YaHei" panose="020B0503020204020204" pitchFamily="34" charset="-122"/>
-                <a:ea typeface="Microsoft YaHei" panose="020B0503020204020204" pitchFamily="34" charset="-122"/>
-              </a:rPr>
-              <a:t>-expression ? </a:t>
-            </a:r>
-            <a:r>
-              <a:rPr lang="en-US" altLang="zh-CN" sz="2400" dirty="0" err="1">
-                <a:latin typeface="Microsoft YaHei" panose="020B0503020204020204" pitchFamily="34" charset="-122"/>
-                <a:ea typeface="Microsoft YaHei" panose="020B0503020204020204" pitchFamily="34" charset="-122"/>
-              </a:rPr>
-              <a:t>expressionl</a:t>
-            </a:r>
-            <a:r>
-              <a:rPr lang="en-US" altLang="zh-CN" sz="2400" dirty="0">
-                <a:latin typeface="Microsoft YaHei" panose="020B0503020204020204" pitchFamily="34" charset="-122"/>
-                <a:ea typeface="Microsoft YaHei" panose="020B0503020204020204" pitchFamily="34" charset="-122"/>
-              </a:rPr>
-              <a:t> : expression</a:t>
-            </a:r>
-          </a:p>
-          <a:p>
-            <a:endParaRPr lang="en-US" altLang="zh-CN" sz="2400" dirty="0">
-              <a:latin typeface="Microsoft YaHei" panose="020B0503020204020204" pitchFamily="34" charset="-122"/>
-              <a:ea typeface="Microsoft YaHei" panose="020B0503020204020204" pitchFamily="34" charset="-122"/>
-            </a:endParaRPr>
-          </a:p>
-          <a:p>
-            <a:r>
-              <a:rPr lang="zh-CN" altLang="en-US" sz="2400" dirty="0">
-                <a:latin typeface="Microsoft YaHei" panose="020B0503020204020204" pitchFamily="34" charset="-122"/>
-                <a:ea typeface="Microsoft YaHei" panose="020B0503020204020204" pitchFamily="34" charset="-122"/>
-              </a:rPr>
-              <a:t>布尔表达式</a:t>
-            </a:r>
-            <a:r>
-              <a:rPr lang="en-US" altLang="zh-CN" sz="2400" dirty="0">
-                <a:latin typeface="Microsoft YaHei" panose="020B0503020204020204" pitchFamily="34" charset="-122"/>
-                <a:ea typeface="Microsoft YaHei" panose="020B0503020204020204" pitchFamily="34" charset="-122"/>
-              </a:rPr>
-              <a:t>?</a:t>
-            </a:r>
-            <a:r>
-              <a:rPr lang="zh-CN" altLang="en-US" sz="2400" dirty="0">
-                <a:latin typeface="Microsoft YaHei" panose="020B0503020204020204" pitchFamily="34" charset="-122"/>
-                <a:ea typeface="Microsoft YaHei" panose="020B0503020204020204" pitchFamily="34" charset="-122"/>
-              </a:rPr>
-              <a:t>表达式 </a:t>
-            </a:r>
-            <a:r>
-              <a:rPr lang="en-US" altLang="zh-CN" sz="2400" dirty="0">
-                <a:latin typeface="Microsoft YaHei" panose="020B0503020204020204" pitchFamily="34" charset="-122"/>
-                <a:ea typeface="Microsoft YaHei" panose="020B0503020204020204" pitchFamily="34" charset="-122"/>
-              </a:rPr>
-              <a:t>1: </a:t>
-            </a:r>
-            <a:r>
-              <a:rPr lang="zh-CN" altLang="en-US" sz="2400" dirty="0">
-                <a:latin typeface="Microsoft YaHei" panose="020B0503020204020204" pitchFamily="34" charset="-122"/>
-                <a:ea typeface="Microsoft YaHei" panose="020B0503020204020204" pitchFamily="34" charset="-122"/>
-              </a:rPr>
-              <a:t>表达式 </a:t>
-            </a:r>
-            <a:r>
-              <a:rPr lang="en-US" altLang="zh-CN" sz="2400" dirty="0">
-                <a:latin typeface="Microsoft YaHei" panose="020B0503020204020204" pitchFamily="34" charset="-122"/>
-                <a:ea typeface="Microsoft YaHei" panose="020B0503020204020204" pitchFamily="34" charset="-122"/>
-              </a:rPr>
-              <a:t>2 </a:t>
-            </a:r>
-          </a:p>
-          <a:p>
-            <a:r>
-              <a:rPr lang="zh-CN" altLang="en-US" sz="2400" dirty="0">
-                <a:latin typeface="Microsoft YaHei" panose="020B0503020204020204" pitchFamily="34" charset="-122"/>
-                <a:ea typeface="Microsoft YaHei" panose="020B0503020204020204" pitchFamily="34" charset="-122"/>
-              </a:rPr>
-              <a:t>例子，上代码</a:t>
+              <a:t>上代码！！！</a:t>
             </a:r>
           </a:p>
         </p:txBody>
@@ -8342,7 +8349,7 @@
     </p:spTree>
     <p:extLst>
       <p:ext uri="{BB962C8B-B14F-4D97-AF65-F5344CB8AC3E}">
-        <p14:creationId xmlns:p14="http://schemas.microsoft.com/office/powerpoint/2010/main" val="277133512"/>
+        <p14:creationId xmlns:p14="http://schemas.microsoft.com/office/powerpoint/2010/main" val="2124268371"/>
       </p:ext>
     </p:extLst>
   </p:cSld>
@@ -8412,14 +8419,13 @@
                 <a:latin typeface="Microsoft YaHei" panose="020B0503020204020204" pitchFamily="34" charset="-122"/>
                 <a:ea typeface="Microsoft YaHei" panose="020B0503020204020204" pitchFamily="34" charset="-122"/>
               </a:rPr>
-              <a:t>6.</a:t>
+              <a:t>5.</a:t>
             </a:r>
             <a:r>
               <a:rPr kumimoji="1" lang="zh-CN" altLang="en-US" sz="4800" dirty="0">
-                <a:latin typeface="Microsoft YaHei" panose="020B0503020204020204" pitchFamily="34" charset="-122"/>
-                <a:ea typeface="Microsoft YaHei" panose="020B0503020204020204" pitchFamily="34" charset="-122"/>
-              </a:rPr>
-              <a:t>操作符优先级</a:t>
+                <a:ea typeface="Microsoft YaHei" panose="020B0503020204020204" pitchFamily="34" charset="-122"/>
+              </a:rPr>
+              <a:t>条件表达式</a:t>
             </a:r>
             <a:endParaRPr kumimoji="1" lang="en-US" altLang="zh-CN" sz="4800" dirty="0">
               <a:ea typeface="Microsoft YaHei" panose="020B0503020204020204" pitchFamily="34" charset="-122"/>
@@ -8427,42 +8433,12 @@
           </a:p>
         </p:txBody>
       </p:sp>
-      <p:pic>
-        <p:nvPicPr>
-          <p:cNvPr id="4" name="图片 3">
+      <p:sp>
+        <p:nvSpPr>
+          <p:cNvPr id="3" name="文本框 2">
             <a:extLst>
               <a:ext uri="{FF2B5EF4-FFF2-40B4-BE49-F238E27FC236}">
-                <a16:creationId xmlns:a16="http://schemas.microsoft.com/office/drawing/2014/main" id="{7DFE5E46-A4DF-E744-BCF3-2B3CA8B84ABF}"/>
-              </a:ext>
-            </a:extLst>
-          </p:cNvPr>
-          <p:cNvPicPr>
-            <a:picLocks noChangeAspect="1"/>
-          </p:cNvPicPr>
-          <p:nvPr/>
-        </p:nvPicPr>
-        <p:blipFill>
-          <a:blip r:embed="rId4"/>
-          <a:stretch>
-            <a:fillRect/>
-          </a:stretch>
-        </p:blipFill>
-        <p:spPr>
-          <a:xfrm>
-            <a:off x="4323316" y="1428427"/>
-            <a:ext cx="4948273" cy="5167500"/>
-          </a:xfrm>
-          <a:prstGeom prst="rect">
-            <a:avLst/>
-          </a:prstGeom>
-        </p:spPr>
-      </p:pic>
-      <p:sp>
-        <p:nvSpPr>
-          <p:cNvPr id="5" name="文本框 4">
-            <a:extLst>
-              <a:ext uri="{FF2B5EF4-FFF2-40B4-BE49-F238E27FC236}">
-                <a16:creationId xmlns:a16="http://schemas.microsoft.com/office/drawing/2014/main" id="{425ED63B-35BF-9D40-9636-4245285F300C}"/>
+                <a16:creationId xmlns:a16="http://schemas.microsoft.com/office/drawing/2014/main" id="{C0CFBE9F-84F2-FE48-AC8E-D41196C42DBA}"/>
               </a:ext>
             </a:extLst>
           </p:cNvPr>
@@ -8471,15 +8447,13 @@
         </p:nvSpPr>
         <p:spPr>
           <a:xfrm>
-            <a:off x="595423" y="3429000"/>
-            <a:ext cx="2806996" cy="954107"/>
+            <a:off x="404037" y="2569043"/>
+            <a:ext cx="11787963" cy="1569660"/>
           </a:xfrm>
           <a:prstGeom prst="rect">
             <a:avLst/>
           </a:prstGeom>
-          <a:solidFill>
-            <a:schemeClr val="accent2"/>
-          </a:solidFill>
+          <a:noFill/>
         </p:spPr>
         <p:txBody>
           <a:bodyPr wrap="square" rtlCol="0">
@@ -8488,68 +8462,91 @@
           <a:lstStyle/>
           <a:p>
             <a:r>
-              <a:rPr kumimoji="1" lang="zh-CN" altLang="en-US" sz="2800" dirty="0">
-                <a:solidFill>
-                  <a:schemeClr val="bg1"/>
-                </a:solidFill>
-              </a:rPr>
-              <a:t>这不是鲁迅的课文，不需要背诵</a:t>
-            </a:r>
-          </a:p>
-        </p:txBody>
-      </p:sp>
-      <p:sp>
-        <p:nvSpPr>
-          <p:cNvPr id="6" name="文本框 5">
-            <a:extLst>
-              <a:ext uri="{FF2B5EF4-FFF2-40B4-BE49-F238E27FC236}">
-                <a16:creationId xmlns:a16="http://schemas.microsoft.com/office/drawing/2014/main" id="{F89ADBF7-2E16-814E-956F-1C3AF8994546}"/>
-              </a:ext>
-            </a:extLst>
-          </p:cNvPr>
-          <p:cNvSpPr txBox="1"/>
-          <p:nvPr/>
-        </p:nvSpPr>
-        <p:spPr>
-          <a:xfrm>
-            <a:off x="595423" y="5202630"/>
-            <a:ext cx="2806996" cy="1384995"/>
-          </a:xfrm>
-          <a:prstGeom prst="rect">
-            <a:avLst/>
-          </a:prstGeom>
-          <a:solidFill>
-            <a:schemeClr val="accent2"/>
-          </a:solidFill>
-        </p:spPr>
-        <p:txBody>
-          <a:bodyPr wrap="square" rtlCol="0">
-            <a:spAutoFit/>
-          </a:bodyPr>
-          <a:lstStyle/>
-          <a:p>
-            <a:r>
-              <a:rPr kumimoji="1" lang="zh-CN" altLang="en-US" sz="2800" dirty="0">
-                <a:solidFill>
-                  <a:schemeClr val="bg1"/>
-                </a:solidFill>
-              </a:rPr>
-              <a:t>最好的避免错误的方法是什么？</a:t>
-            </a:r>
-            <a:endParaRPr kumimoji="1" lang="en-US" altLang="zh-CN" sz="2800" dirty="0">
-              <a:solidFill>
-                <a:schemeClr val="bg1"/>
-              </a:solidFill>
+              <a:rPr lang="en-US" altLang="zh-CN" sz="2400" dirty="0" err="1">
+                <a:latin typeface="Microsoft YaHei" panose="020B0503020204020204" pitchFamily="34" charset="-122"/>
+                <a:ea typeface="Microsoft YaHei" panose="020B0503020204020204" pitchFamily="34" charset="-122"/>
+              </a:rPr>
+              <a:t>boolean</a:t>
+            </a:r>
+            <a:r>
+              <a:rPr lang="en-US" altLang="zh-CN" sz="2400" dirty="0">
+                <a:latin typeface="Microsoft YaHei" panose="020B0503020204020204" pitchFamily="34" charset="-122"/>
+                <a:ea typeface="Microsoft YaHei" panose="020B0503020204020204" pitchFamily="34" charset="-122"/>
+              </a:rPr>
+              <a:t>-expression ? </a:t>
+            </a:r>
+            <a:r>
+              <a:rPr lang="en-US" altLang="zh-CN" sz="2400" dirty="0" err="1">
+                <a:latin typeface="Microsoft YaHei" panose="020B0503020204020204" pitchFamily="34" charset="-122"/>
+                <a:ea typeface="Microsoft YaHei" panose="020B0503020204020204" pitchFamily="34" charset="-122"/>
+              </a:rPr>
+              <a:t>expressionl</a:t>
+            </a:r>
+            <a:r>
+              <a:rPr lang="en-US" altLang="zh-CN" sz="2400" dirty="0">
+                <a:latin typeface="Microsoft YaHei" panose="020B0503020204020204" pitchFamily="34" charset="-122"/>
+                <a:ea typeface="Microsoft YaHei" panose="020B0503020204020204" pitchFamily="34" charset="-122"/>
+              </a:rPr>
+              <a:t> : expression</a:t>
+            </a:r>
+          </a:p>
+          <a:p>
+            <a:endParaRPr lang="en-US" altLang="zh-CN" sz="2400" dirty="0">
+              <a:latin typeface="Microsoft YaHei" panose="020B0503020204020204" pitchFamily="34" charset="-122"/>
+              <a:ea typeface="Microsoft YaHei" panose="020B0503020204020204" pitchFamily="34" charset="-122"/>
             </a:endParaRPr>
           </a:p>
           <a:p>
             <a:r>
-              <a:rPr kumimoji="1" lang="zh-CN" altLang="en-US" sz="2800" dirty="0">
-                <a:solidFill>
-                  <a:schemeClr val="bg1"/>
-                </a:solidFill>
-              </a:rPr>
-              <a:t>上代码！</a:t>
+              <a:rPr lang="zh-CN" altLang="en-US" sz="2400" dirty="0">
+                <a:latin typeface="Microsoft YaHei" panose="020B0503020204020204" pitchFamily="34" charset="-122"/>
+                <a:ea typeface="Microsoft YaHei" panose="020B0503020204020204" pitchFamily="34" charset="-122"/>
+              </a:rPr>
+              <a:t>布尔表达式</a:t>
+            </a:r>
+            <a:r>
+              <a:rPr lang="en-US" altLang="zh-CN" sz="2400" dirty="0">
+                <a:latin typeface="Microsoft YaHei" panose="020B0503020204020204" pitchFamily="34" charset="-122"/>
+                <a:ea typeface="Microsoft YaHei" panose="020B0503020204020204" pitchFamily="34" charset="-122"/>
+              </a:rPr>
+              <a:t>?</a:t>
+            </a:r>
+            <a:r>
+              <a:rPr lang="zh-CN" altLang="en-US" sz="2400" dirty="0">
+                <a:latin typeface="Microsoft YaHei" panose="020B0503020204020204" pitchFamily="34" charset="-122"/>
+                <a:ea typeface="Microsoft YaHei" panose="020B0503020204020204" pitchFamily="34" charset="-122"/>
+              </a:rPr>
+              <a:t>表达式 </a:t>
+            </a:r>
+            <a:r>
+              <a:rPr lang="en-US" altLang="zh-CN" sz="2400" dirty="0">
+                <a:latin typeface="Microsoft YaHei" panose="020B0503020204020204" pitchFamily="34" charset="-122"/>
+                <a:ea typeface="Microsoft YaHei" panose="020B0503020204020204" pitchFamily="34" charset="-122"/>
+              </a:rPr>
+              <a:t>1: </a:t>
+            </a:r>
+            <a:r>
+              <a:rPr lang="zh-CN" altLang="en-US" sz="2400" dirty="0">
+                <a:latin typeface="Microsoft YaHei" panose="020B0503020204020204" pitchFamily="34" charset="-122"/>
+                <a:ea typeface="Microsoft YaHei" panose="020B0503020204020204" pitchFamily="34" charset="-122"/>
+              </a:rPr>
+              <a:t>表达式 </a:t>
+            </a:r>
+            <a:r>
+              <a:rPr lang="en-US" altLang="zh-CN" sz="2400" dirty="0">
+                <a:latin typeface="Microsoft YaHei" panose="020B0503020204020204" pitchFamily="34" charset="-122"/>
+                <a:ea typeface="Microsoft YaHei" panose="020B0503020204020204" pitchFamily="34" charset="-122"/>
+              </a:rPr>
+              <a:t>2 </a:t>
+            </a:r>
+          </a:p>
+          <a:p>
+            <a:r>
+              <a:rPr lang="zh-CN" altLang="en-US" sz="2400" dirty="0">
+                <a:latin typeface="Microsoft YaHei" panose="020B0503020204020204" pitchFamily="34" charset="-122"/>
+                <a:ea typeface="Microsoft YaHei" panose="020B0503020204020204" pitchFamily="34" charset="-122"/>
+              </a:rPr>
+              <a:t>例子，上代码</a:t>
             </a:r>
           </a:p>
         </p:txBody>
@@ -8557,7 +8554,7 @@
     </p:spTree>
     <p:extLst>
       <p:ext uri="{BB962C8B-B14F-4D97-AF65-F5344CB8AC3E}">
-        <p14:creationId xmlns:p14="http://schemas.microsoft.com/office/powerpoint/2010/main" val="270616702"/>
+        <p14:creationId xmlns:p14="http://schemas.microsoft.com/office/powerpoint/2010/main" val="277133512"/>
       </p:ext>
     </p:extLst>
   </p:cSld>
@@ -8885,6 +8882,221 @@
         </p:nvSpPr>
         <p:spPr>
           <a:xfrm>
+            <a:off x="2234234" y="597430"/>
+            <a:ext cx="9132000" cy="830997"/>
+          </a:xfrm>
+          <a:prstGeom prst="rect">
+            <a:avLst/>
+          </a:prstGeom>
+          <a:noFill/>
+        </p:spPr>
+        <p:txBody>
+          <a:bodyPr wrap="square" rtlCol="0">
+            <a:spAutoFit/>
+          </a:bodyPr>
+          <a:lstStyle/>
+          <a:p>
+            <a:pPr algn="ctr"/>
+            <a:r>
+              <a:rPr kumimoji="1" lang="en-US" altLang="zh-CN" sz="4800" dirty="0">
+                <a:latin typeface="Microsoft YaHei" panose="020B0503020204020204" pitchFamily="34" charset="-122"/>
+                <a:ea typeface="Microsoft YaHei" panose="020B0503020204020204" pitchFamily="34" charset="-122"/>
+              </a:rPr>
+              <a:t>6.</a:t>
+            </a:r>
+            <a:r>
+              <a:rPr kumimoji="1" lang="zh-CN" altLang="en-US" sz="4800" dirty="0">
+                <a:latin typeface="Microsoft YaHei" panose="020B0503020204020204" pitchFamily="34" charset="-122"/>
+                <a:ea typeface="Microsoft YaHei" panose="020B0503020204020204" pitchFamily="34" charset="-122"/>
+              </a:rPr>
+              <a:t>操作符优先级</a:t>
+            </a:r>
+            <a:endParaRPr kumimoji="1" lang="en-US" altLang="zh-CN" sz="4800" dirty="0">
+              <a:ea typeface="Microsoft YaHei" panose="020B0503020204020204" pitchFamily="34" charset="-122"/>
+            </a:endParaRPr>
+          </a:p>
+        </p:txBody>
+      </p:sp>
+      <p:pic>
+        <p:nvPicPr>
+          <p:cNvPr id="4" name="图片 3">
+            <a:extLst>
+              <a:ext uri="{FF2B5EF4-FFF2-40B4-BE49-F238E27FC236}">
+                <a16:creationId xmlns:a16="http://schemas.microsoft.com/office/drawing/2014/main" id="{7DFE5E46-A4DF-E744-BCF3-2B3CA8B84ABF}"/>
+              </a:ext>
+            </a:extLst>
+          </p:cNvPr>
+          <p:cNvPicPr>
+            <a:picLocks noChangeAspect="1"/>
+          </p:cNvPicPr>
+          <p:nvPr/>
+        </p:nvPicPr>
+        <p:blipFill>
+          <a:blip r:embed="rId4"/>
+          <a:stretch>
+            <a:fillRect/>
+          </a:stretch>
+        </p:blipFill>
+        <p:spPr>
+          <a:xfrm>
+            <a:off x="4323316" y="1428427"/>
+            <a:ext cx="4948273" cy="5167500"/>
+          </a:xfrm>
+          <a:prstGeom prst="rect">
+            <a:avLst/>
+          </a:prstGeom>
+        </p:spPr>
+      </p:pic>
+      <p:sp>
+        <p:nvSpPr>
+          <p:cNvPr id="5" name="文本框 4">
+            <a:extLst>
+              <a:ext uri="{FF2B5EF4-FFF2-40B4-BE49-F238E27FC236}">
+                <a16:creationId xmlns:a16="http://schemas.microsoft.com/office/drawing/2014/main" id="{425ED63B-35BF-9D40-9636-4245285F300C}"/>
+              </a:ext>
+            </a:extLst>
+          </p:cNvPr>
+          <p:cNvSpPr txBox="1"/>
+          <p:nvPr/>
+        </p:nvSpPr>
+        <p:spPr>
+          <a:xfrm>
+            <a:off x="595423" y="3429000"/>
+            <a:ext cx="2806996" cy="954107"/>
+          </a:xfrm>
+          <a:prstGeom prst="rect">
+            <a:avLst/>
+          </a:prstGeom>
+          <a:solidFill>
+            <a:schemeClr val="accent2"/>
+          </a:solidFill>
+        </p:spPr>
+        <p:txBody>
+          <a:bodyPr wrap="square" rtlCol="0">
+            <a:spAutoFit/>
+          </a:bodyPr>
+          <a:lstStyle/>
+          <a:p>
+            <a:r>
+              <a:rPr kumimoji="1" lang="zh-CN" altLang="en-US" sz="2800" dirty="0">
+                <a:solidFill>
+                  <a:schemeClr val="bg1"/>
+                </a:solidFill>
+              </a:rPr>
+              <a:t>这不是鲁迅的课文，不需要背诵</a:t>
+            </a:r>
+          </a:p>
+        </p:txBody>
+      </p:sp>
+      <p:sp>
+        <p:nvSpPr>
+          <p:cNvPr id="6" name="文本框 5">
+            <a:extLst>
+              <a:ext uri="{FF2B5EF4-FFF2-40B4-BE49-F238E27FC236}">
+                <a16:creationId xmlns:a16="http://schemas.microsoft.com/office/drawing/2014/main" id="{F89ADBF7-2E16-814E-956F-1C3AF8994546}"/>
+              </a:ext>
+            </a:extLst>
+          </p:cNvPr>
+          <p:cNvSpPr txBox="1"/>
+          <p:nvPr/>
+        </p:nvSpPr>
+        <p:spPr>
+          <a:xfrm>
+            <a:off x="595423" y="5202630"/>
+            <a:ext cx="2806996" cy="1384995"/>
+          </a:xfrm>
+          <a:prstGeom prst="rect">
+            <a:avLst/>
+          </a:prstGeom>
+          <a:solidFill>
+            <a:schemeClr val="accent2"/>
+          </a:solidFill>
+        </p:spPr>
+        <p:txBody>
+          <a:bodyPr wrap="square" rtlCol="0">
+            <a:spAutoFit/>
+          </a:bodyPr>
+          <a:lstStyle/>
+          <a:p>
+            <a:r>
+              <a:rPr kumimoji="1" lang="zh-CN" altLang="en-US" sz="2800" dirty="0">
+                <a:solidFill>
+                  <a:schemeClr val="bg1"/>
+                </a:solidFill>
+              </a:rPr>
+              <a:t>最好的避免错误的方法是什么？</a:t>
+            </a:r>
+            <a:endParaRPr kumimoji="1" lang="en-US" altLang="zh-CN" sz="2800" dirty="0">
+              <a:solidFill>
+                <a:schemeClr val="bg1"/>
+              </a:solidFill>
+            </a:endParaRPr>
+          </a:p>
+          <a:p>
+            <a:r>
+              <a:rPr kumimoji="1" lang="zh-CN" altLang="en-US" sz="2800" dirty="0">
+                <a:solidFill>
+                  <a:schemeClr val="bg1"/>
+                </a:solidFill>
+              </a:rPr>
+              <a:t>上代码！</a:t>
+            </a:r>
+          </a:p>
+        </p:txBody>
+      </p:sp>
+    </p:spTree>
+    <p:extLst>
+      <p:ext uri="{BB962C8B-B14F-4D97-AF65-F5344CB8AC3E}">
+        <p14:creationId xmlns:p14="http://schemas.microsoft.com/office/powerpoint/2010/main" val="270616702"/>
+      </p:ext>
+    </p:extLst>
+  </p:cSld>
+  <p:clrMapOvr>
+    <a:masterClrMapping/>
+  </p:clrMapOvr>
+</p:sld>
+</file>
+
+<file path=ppt/slides/slide21.xml><?xml version="1.0" encoding="utf-8"?>
+<p:sld xmlns:a="http://schemas.openxmlformats.org/drawingml/2006/main" xmlns:r="http://schemas.openxmlformats.org/officeDocument/2006/relationships" xmlns:p="http://schemas.openxmlformats.org/presentationml/2006/main">
+  <p:cSld>
+    <p:bg>
+      <p:bgPr>
+        <a:blipFill>
+          <a:blip r:embed="rId3"/>
+          <a:tile tx="0" ty="0" sx="100000" sy="100000" flip="none" algn="tl"/>
+        </a:blipFill>
+        <a:effectLst/>
+      </p:bgPr>
+    </p:bg>
+    <p:spTree>
+      <p:nvGrpSpPr>
+        <p:cNvPr id="1" name=""/>
+        <p:cNvGrpSpPr/>
+        <p:nvPr/>
+      </p:nvGrpSpPr>
+      <p:grpSpPr>
+        <a:xfrm>
+          <a:off x="0" y="0"/>
+          <a:ext cx="0" cy="0"/>
+          <a:chOff x="0" y="0"/>
+          <a:chExt cx="0" cy="0"/>
+        </a:xfrm>
+      </p:grpSpPr>
+      <p:sp>
+        <p:nvSpPr>
+          <p:cNvPr id="2" name="文本框 1">
+            <a:extLst>
+              <a:ext uri="{FF2B5EF4-FFF2-40B4-BE49-F238E27FC236}">
+                <a16:creationId xmlns:a16="http://schemas.microsoft.com/office/drawing/2014/main" id="{12AA8BCC-7B15-4842-80C2-48C079429338}"/>
+              </a:ext>
+            </a:extLst>
+          </p:cNvPr>
+          <p:cNvSpPr txBox="1"/>
+          <p:nvPr/>
+        </p:nvSpPr>
+        <p:spPr>
+          <a:xfrm>
             <a:off x="2228088" y="2921168"/>
             <a:ext cx="7735824" cy="1015663"/>
           </a:xfrm>
@@ -8923,7 +9135,7 @@
 </p:sld>
 </file>
 
-<file path=ppt/slides/slide21.xml><?xml version="1.0" encoding="utf-8"?>
+<file path=ppt/slides/slide22.xml><?xml version="1.0" encoding="utf-8"?>
 <p:sld xmlns:a="http://schemas.openxmlformats.org/drawingml/2006/main" xmlns:r="http://schemas.openxmlformats.org/officeDocument/2006/relationships" xmlns:p="http://schemas.openxmlformats.org/presentationml/2006/main">
   <p:cSld>
     <p:bg>
